--- a/docs/diagrams/TagColorSequenceDiagram.pptx
+++ b/docs/diagrams/TagColorSequenceDiagram.pptx
@@ -265,7 +265,7 @@
           <a:p>
             <a:fld id="{125D2542-4891-4C31-98CC-513778ECB934}" type="datetimeFigureOut">
               <a:rPr lang="en-SG" smtClean="0"/>
-              <a:t>30/10/2017</a:t>
+              <a:t>13/11/2017</a:t>
             </a:fld>
             <a:endParaRPr lang="en-SG"/>
           </a:p>
@@ -465,7 +465,7 @@
           <a:p>
             <a:fld id="{125D2542-4891-4C31-98CC-513778ECB934}" type="datetimeFigureOut">
               <a:rPr lang="en-SG" smtClean="0"/>
-              <a:t>30/10/2017</a:t>
+              <a:t>13/11/2017</a:t>
             </a:fld>
             <a:endParaRPr lang="en-SG"/>
           </a:p>
@@ -675,7 +675,7 @@
           <a:p>
             <a:fld id="{125D2542-4891-4C31-98CC-513778ECB934}" type="datetimeFigureOut">
               <a:rPr lang="en-SG" smtClean="0"/>
-              <a:t>30/10/2017</a:t>
+              <a:t>13/11/2017</a:t>
             </a:fld>
             <a:endParaRPr lang="en-SG"/>
           </a:p>
@@ -875,7 +875,7 @@
           <a:p>
             <a:fld id="{125D2542-4891-4C31-98CC-513778ECB934}" type="datetimeFigureOut">
               <a:rPr lang="en-SG" smtClean="0"/>
-              <a:t>30/10/2017</a:t>
+              <a:t>13/11/2017</a:t>
             </a:fld>
             <a:endParaRPr lang="en-SG"/>
           </a:p>
@@ -1151,7 +1151,7 @@
           <a:p>
             <a:fld id="{125D2542-4891-4C31-98CC-513778ECB934}" type="datetimeFigureOut">
               <a:rPr lang="en-SG" smtClean="0"/>
-              <a:t>30/10/2017</a:t>
+              <a:t>13/11/2017</a:t>
             </a:fld>
             <a:endParaRPr lang="en-SG"/>
           </a:p>
@@ -1419,7 +1419,7 @@
           <a:p>
             <a:fld id="{125D2542-4891-4C31-98CC-513778ECB934}" type="datetimeFigureOut">
               <a:rPr lang="en-SG" smtClean="0"/>
-              <a:t>30/10/2017</a:t>
+              <a:t>13/11/2017</a:t>
             </a:fld>
             <a:endParaRPr lang="en-SG"/>
           </a:p>
@@ -1834,7 +1834,7 @@
           <a:p>
             <a:fld id="{125D2542-4891-4C31-98CC-513778ECB934}" type="datetimeFigureOut">
               <a:rPr lang="en-SG" smtClean="0"/>
-              <a:t>30/10/2017</a:t>
+              <a:t>13/11/2017</a:t>
             </a:fld>
             <a:endParaRPr lang="en-SG"/>
           </a:p>
@@ -1976,7 +1976,7 @@
           <a:p>
             <a:fld id="{125D2542-4891-4C31-98CC-513778ECB934}" type="datetimeFigureOut">
               <a:rPr lang="en-SG" smtClean="0"/>
-              <a:t>30/10/2017</a:t>
+              <a:t>13/11/2017</a:t>
             </a:fld>
             <a:endParaRPr lang="en-SG"/>
           </a:p>
@@ -2089,7 +2089,7 @@
           <a:p>
             <a:fld id="{125D2542-4891-4C31-98CC-513778ECB934}" type="datetimeFigureOut">
               <a:rPr lang="en-SG" smtClean="0"/>
-              <a:t>30/10/2017</a:t>
+              <a:t>13/11/2017</a:t>
             </a:fld>
             <a:endParaRPr lang="en-SG"/>
           </a:p>
@@ -2402,7 +2402,7 @@
           <a:p>
             <a:fld id="{125D2542-4891-4C31-98CC-513778ECB934}" type="datetimeFigureOut">
               <a:rPr lang="en-SG" smtClean="0"/>
-              <a:t>30/10/2017</a:t>
+              <a:t>13/11/2017</a:t>
             </a:fld>
             <a:endParaRPr lang="en-SG"/>
           </a:p>
@@ -2691,7 +2691,7 @@
           <a:p>
             <a:fld id="{125D2542-4891-4C31-98CC-513778ECB934}" type="datetimeFigureOut">
               <a:rPr lang="en-SG" smtClean="0"/>
-              <a:t>30/10/2017</a:t>
+              <a:t>13/11/2017</a:t>
             </a:fld>
             <a:endParaRPr lang="en-SG"/>
           </a:p>
@@ -2934,7 +2934,7 @@
           <a:p>
             <a:fld id="{125D2542-4891-4C31-98CC-513778ECB934}" type="datetimeFigureOut">
               <a:rPr lang="en-SG" smtClean="0"/>
-              <a:t>30/10/2017</a:t>
+              <a:t>13/11/2017</a:t>
             </a:fld>
             <a:endParaRPr lang="en-SG"/>
           </a:p>
@@ -3413,14 +3413,14 @@
         </p:nvSpPr>
         <p:spPr>
           <a:xfrm>
-            <a:off x="1288218" y="588511"/>
+            <a:off x="995066" y="602259"/>
             <a:ext cx="2095900" cy="473802"/>
           </a:xfrm>
           <a:prstGeom prst="rect">
             <a:avLst/>
           </a:prstGeom>
           <a:solidFill>
-            <a:srgbClr val="FF0000"/>
+            <a:srgbClr val="F8CECC"/>
           </a:solidFill>
           <a:ln w="19050">
             <a:solidFill>
@@ -3548,15 +3548,7 @@
                   <a:schemeClr val="bg1"/>
                 </a:solidFill>
               </a:rPr>
-              <a:t>:</a:t>
-            </a:r>
-            <a:r>
-              <a:rPr lang="en-US" sz="1600" dirty="0" err="1">
-                <a:solidFill>
-                  <a:schemeClr val="bg1"/>
-                </a:solidFill>
-              </a:rPr>
-              <a:t>ModelManager</a:t>
+              <a:t>:ModelManager</a:t>
             </a:r>
             <a:endParaRPr lang="en-SG" sz="1600" dirty="0">
               <a:solidFill>
@@ -3625,14 +3617,14 @@
         </p:nvSpPr>
         <p:spPr>
           <a:xfrm>
-            <a:off x="1977934" y="1428943"/>
-            <a:ext cx="138264" cy="5043776"/>
+            <a:off x="1977934" y="1505735"/>
+            <a:ext cx="130164" cy="4966983"/>
           </a:xfrm>
           <a:prstGeom prst="rect">
             <a:avLst/>
           </a:prstGeom>
           <a:solidFill>
-            <a:srgbClr val="FF0000"/>
+            <a:srgbClr val="F8CECC"/>
           </a:solidFill>
           <a:ln>
             <a:solidFill>
@@ -3776,14 +3768,14 @@
         </p:nvSpPr>
         <p:spPr>
           <a:xfrm>
-            <a:off x="3098831" y="1249309"/>
+            <a:off x="3076316" y="1384409"/>
             <a:ext cx="1422051" cy="467684"/>
           </a:xfrm>
           <a:prstGeom prst="rect">
             <a:avLst/>
           </a:prstGeom>
           <a:solidFill>
-            <a:srgbClr val="FF0000"/>
+            <a:srgbClr val="F8CECC"/>
           </a:solidFill>
           <a:ln w="19050">
             <a:solidFill>
@@ -3990,7 +3982,7 @@
         <p:spPr>
           <a:xfrm>
             <a:off x="230044" y="1543026"/>
-            <a:ext cx="1518776" cy="0"/>
+            <a:ext cx="1686086" cy="0"/>
           </a:xfrm>
           <a:prstGeom prst="straightConnector1">
             <a:avLst/>
@@ -4118,7 +4110,7 @@
             <a:avLst/>
           </a:prstGeom>
           <a:solidFill>
-            <a:srgbClr val="FF0000"/>
+            <a:srgbClr val="F8CECC"/>
           </a:solidFill>
           <a:ln>
             <a:solidFill>
@@ -4297,14 +4289,14 @@
         </p:nvSpPr>
         <p:spPr>
           <a:xfrm>
-            <a:off x="4687693" y="1255455"/>
+            <a:off x="4595934" y="1382738"/>
             <a:ext cx="1803548" cy="461538"/>
           </a:xfrm>
           <a:prstGeom prst="rect">
             <a:avLst/>
           </a:prstGeom>
           <a:solidFill>
-            <a:srgbClr val="FF0000"/>
+            <a:srgbClr val="F8CECC"/>
           </a:solidFill>
           <a:ln w="19050">
             <a:solidFill>
@@ -4432,15 +4424,7 @@
                   <a:schemeClr val="bg1"/>
                 </a:solidFill>
               </a:rPr>
-              <a:t>:</a:t>
-            </a:r>
-            <a:r>
-              <a:rPr lang="en-US" sz="1600" dirty="0" err="1">
-                <a:solidFill>
-                  <a:schemeClr val="bg1"/>
-                </a:solidFill>
-              </a:rPr>
-              <a:t>UniqueTagList</a:t>
+              <a:t>:UniqueTagList</a:t>
             </a:r>
             <a:endParaRPr lang="en-SG" sz="1600" dirty="0">
               <a:solidFill>
@@ -4588,14 +4572,14 @@
         </p:nvSpPr>
         <p:spPr>
           <a:xfrm>
-            <a:off x="5327224" y="2148020"/>
-            <a:ext cx="153131" cy="3168855"/>
+            <a:off x="5327224" y="2343235"/>
+            <a:ext cx="156445" cy="2973640"/>
           </a:xfrm>
           <a:prstGeom prst="rect">
             <a:avLst/>
           </a:prstGeom>
           <a:solidFill>
-            <a:srgbClr val="FF0000"/>
+            <a:srgbClr val="F8CECC"/>
           </a:solidFill>
           <a:ln>
             <a:solidFill>
@@ -4900,14 +4884,14 @@
         </p:nvSpPr>
         <p:spPr>
           <a:xfrm>
-            <a:off x="6661162" y="446511"/>
+            <a:off x="6491241" y="650738"/>
             <a:ext cx="2095900" cy="473802"/>
           </a:xfrm>
           <a:prstGeom prst="rect">
             <a:avLst/>
           </a:prstGeom>
           <a:solidFill>
-            <a:srgbClr val="FF0000"/>
+            <a:srgbClr val="F8CECC"/>
           </a:solidFill>
           <a:ln w="19050">
             <a:solidFill>
@@ -5104,14 +5088,14 @@
         </p:nvSpPr>
         <p:spPr>
           <a:xfrm>
-            <a:off x="7439972" y="2210747"/>
-            <a:ext cx="147493" cy="2083851"/>
+            <a:off x="7439972" y="3285477"/>
+            <a:ext cx="156445" cy="1009121"/>
           </a:xfrm>
           <a:prstGeom prst="rect">
             <a:avLst/>
           </a:prstGeom>
           <a:solidFill>
-            <a:srgbClr val="FF0000"/>
+            <a:srgbClr val="F8CECC"/>
           </a:solidFill>
           <a:ln>
             <a:solidFill>
@@ -5258,7 +5242,7 @@
         <p:spPr>
           <a:xfrm>
             <a:off x="5636875" y="3320104"/>
-            <a:ext cx="1602319" cy="19199"/>
+            <a:ext cx="1750044" cy="21711"/>
           </a:xfrm>
           <a:prstGeom prst="straightConnector1">
             <a:avLst/>
@@ -5529,6 +5513,48 @@
           </a:p>
         </p:txBody>
       </p:sp>
+      <p:cxnSp>
+        <p:nvCxnSpPr>
+          <p:cNvPr id="34" name="Straight Arrow Connector 33">
+            <a:extLst>
+              <a:ext uri="{FF2B5EF4-FFF2-40B4-BE49-F238E27FC236}">
+                <a16:creationId xmlns:a16="http://schemas.microsoft.com/office/drawing/2014/main" id="{F1285732-8F8B-47F0-B467-9AFA2B71CCBC}"/>
+              </a:ext>
+            </a:extLst>
+          </p:cNvPr>
+          <p:cNvCxnSpPr>
+            <a:cxnSpLocks/>
+          </p:cNvCxnSpPr>
+          <p:nvPr/>
+        </p:nvCxnSpPr>
+        <p:spPr>
+          <a:xfrm flipH="1">
+            <a:off x="563771" y="6449919"/>
+            <a:ext cx="1329240" cy="0"/>
+          </a:xfrm>
+          <a:prstGeom prst="straightConnector1">
+            <a:avLst/>
+          </a:prstGeom>
+          <a:ln w="19050">
+            <a:prstDash val="sysDash"/>
+            <a:tailEnd type="triangle"/>
+          </a:ln>
+        </p:spPr>
+        <p:style>
+          <a:lnRef idx="1">
+            <a:schemeClr val="accent1"/>
+          </a:lnRef>
+          <a:fillRef idx="0">
+            <a:schemeClr val="accent1"/>
+          </a:fillRef>
+          <a:effectRef idx="0">
+            <a:schemeClr val="accent1"/>
+          </a:effectRef>
+          <a:fontRef idx="minor">
+            <a:schemeClr val="tx1"/>
+          </a:fontRef>
+        </p:style>
+      </p:cxnSp>
     </p:spTree>
     <p:extLst>
       <p:ext uri="{BB962C8B-B14F-4D97-AF65-F5344CB8AC3E}">
